--- a/docs/Angular 2.pptx
+++ b/docs/Angular 2.pptx
@@ -5390,6 +5390,40 @@
           </a:xfrm>
         </p:spPr>
       </p:pic>
+      <p:sp>
+        <p:nvSpPr>
+          <p:cNvPr id="3" name="textruta 2"/>
+          <p:cNvSpPr txBox="1"/>
+          <p:nvPr/>
+        </p:nvSpPr>
+        <p:spPr>
+          <a:xfrm>
+            <a:off x="1187624" y="2132856"/>
+            <a:ext cx="3160096" cy="369332"/>
+          </a:xfrm>
+          <a:prstGeom prst="rect">
+            <a:avLst/>
+          </a:prstGeom>
+          <a:noFill/>
+        </p:spPr>
+        <p:txBody>
+          <a:bodyPr wrap="none" rtlCol="0">
+            <a:spAutoFit/>
+          </a:bodyPr>
+          <a:lstStyle/>
+          <a:p>
+            <a:pPr marL="285750" indent="-285750">
+              <a:buFont typeface="Arial" panose="020B0604020202020204" pitchFamily="34" charset="0"/>
+              <a:buChar char="•"/>
+            </a:pPr>
+            <a:r>
+              <a:rPr lang="sv-SE" dirty="0" smtClean="0"/>
+              <a:t>Sträng interpolering med {{}}</a:t>
+            </a:r>
+            <a:endParaRPr lang="sv-SE" dirty="0"/>
+          </a:p>
+        </p:txBody>
+      </p:sp>
     </p:spTree>
     <p:extLst>
       <p:ext uri="{BB962C8B-B14F-4D97-AF65-F5344CB8AC3E}">
@@ -5478,12 +5512,12 @@
               <a:t> 2 </a:t>
             </a:r>
             <a:r>
-              <a:rPr lang="sv-SE" dirty="0" err="1" smtClean="0"/>
-              <a:t>flöder</a:t>
-            </a:r>
-            <a:r>
-              <a:rPr lang="sv-SE" dirty="0" smtClean="0"/>
-              <a:t> data in i direktiv via </a:t>
+              <a:rPr lang="sv-SE" dirty="0" smtClean="0"/>
+              <a:t>flödar </a:t>
+            </a:r>
+            <a:r>
+              <a:rPr lang="sv-SE" dirty="0" smtClean="0"/>
+              <a:t>data in i direktiv via </a:t>
             </a:r>
             <a:r>
               <a:rPr lang="sv-SE" dirty="0" err="1" smtClean="0"/>
